--- a/files/Budget Management Project.pptx
+++ b/files/Budget Management Project.pptx
@@ -11,6 +11,7 @@
     <p:sldId id="259" r:id="rId5"/>
     <p:sldId id="260" r:id="rId6"/>
     <p:sldId id="261" r:id="rId7"/>
+    <p:sldId id="262" r:id="rId8"/>
   </p:sldIdLst>
   <p:sldSz cx="12192000" cy="6858000"/>
   <p:notesSz cx="6858000" cy="9144000"/>
@@ -5763,14 +5764,14 @@
             <p:ph idx="1"/>
             <p:extLst>
               <p:ext uri="{D42A27DB-BD31-4B8C-83A1-F6EECF244321}">
-                <p14:modId xmlns:p14="http://schemas.microsoft.com/office/powerpoint/2010/main" val="1460310864"/>
+                <p14:modId xmlns:p14="http://schemas.microsoft.com/office/powerpoint/2010/main" val="3905589172"/>
               </p:ext>
             </p:extLst>
           </p:nvPr>
         </p:nvGraphicFramePr>
         <p:xfrm>
-          <a:off x="838201" y="274320"/>
-          <a:ext cx="10515597" cy="4907280"/>
+          <a:off x="688064" y="274320"/>
+          <a:ext cx="10665736" cy="5608320"/>
         </p:xfrm>
         <a:graphic>
           <a:graphicData uri="http://schemas.openxmlformats.org/drawingml/2006/table">
@@ -5779,21 +5780,21 @@
                 <a:tableStyleId>{5C22544A-7EE6-4342-B048-85BDC9FD1C3A}</a:tableStyleId>
               </a:tblPr>
               <a:tblGrid>
-                <a:gridCol w="1256070">
+                <a:gridCol w="407405">
                   <a:extLst>
                     <a:ext uri="{9D8B030D-6E8A-4147-A177-3AD203B41FA5}">
                       <a16:colId xmlns:a16="http://schemas.microsoft.com/office/drawing/2014/main" val="2508627351"/>
                     </a:ext>
                   </a:extLst>
                 </a:gridCol>
-                <a:gridCol w="2461687">
+                <a:gridCol w="1946495">
                   <a:extLst>
                     <a:ext uri="{9D8B030D-6E8A-4147-A177-3AD203B41FA5}">
                       <a16:colId xmlns:a16="http://schemas.microsoft.com/office/drawing/2014/main" val="3906900081"/>
                     </a:ext>
                   </a:extLst>
                 </a:gridCol>
-                <a:gridCol w="6797840">
+                <a:gridCol w="8311836">
                   <a:extLst>
                     <a:ext uri="{9D8B030D-6E8A-4147-A177-3AD203B41FA5}">
                       <a16:colId xmlns:a16="http://schemas.microsoft.com/office/drawing/2014/main" val="2294401183"/>
@@ -5808,24 +5809,24 @@
                     <a:lstStyle/>
                     <a:p>
                       <a:r>
-                        <a:rPr lang="en-US" sz="2000" b="1" dirty="0">
-                          <a:latin typeface="Arial" panose="020B0604020202020204" pitchFamily="34" charset="0"/>
-                          <a:cs typeface="Arial" panose="020B0604020202020204" pitchFamily="34" charset="0"/>
-                        </a:rPr>
-                        <a:t>Number</a:t>
-                      </a:r>
-                    </a:p>
-                  </a:txBody>
-                  <a:tcPr anchor="ctr"/>
-                </a:tc>
-                <a:tc>
-                  <a:txBody>
-                    <a:bodyPr/>
-                    <a:lstStyle/>
-                    <a:p>
-                      <a:r>
-                        <a:rPr lang="en-US" sz="2000" b="1" dirty="0">
-                          <a:latin typeface="Arial" panose="020B0604020202020204" pitchFamily="34" charset="0"/>
+                        <a:rPr lang="en-US" sz="1800" b="1" dirty="0">
+                          <a:latin typeface="Aptos (Body)"/>
+                          <a:cs typeface="Arial" panose="020B0604020202020204" pitchFamily="34" charset="0"/>
+                        </a:rPr>
+                        <a:t>#</a:t>
+                      </a:r>
+                    </a:p>
+                  </a:txBody>
+                  <a:tcPr anchor="ctr"/>
+                </a:tc>
+                <a:tc>
+                  <a:txBody>
+                    <a:bodyPr/>
+                    <a:lstStyle/>
+                    <a:p>
+                      <a:r>
+                        <a:rPr lang="en-US" sz="1800" b="1" dirty="0">
+                          <a:latin typeface="Aptos (Body)"/>
                           <a:cs typeface="Arial" panose="020B0604020202020204" pitchFamily="34" charset="0"/>
                         </a:rPr>
                         <a:t>Name</a:t>
@@ -5840,8 +5841,8 @@
                     <a:lstStyle/>
                     <a:p>
                       <a:r>
-                        <a:rPr lang="en-US" sz="2000" b="1" dirty="0">
-                          <a:latin typeface="Arial" panose="020B0604020202020204" pitchFamily="34" charset="0"/>
+                        <a:rPr lang="en-US" sz="1800" b="1" dirty="0">
+                          <a:latin typeface="Aptos (Body)"/>
                           <a:cs typeface="Arial" panose="020B0604020202020204" pitchFamily="34" charset="0"/>
                         </a:rPr>
                         <a:t>Description</a:t>
@@ -5863,8 +5864,8 @@
                     <a:lstStyle/>
                     <a:p>
                       <a:r>
-                        <a:rPr lang="en-US" sz="2000" b="1" dirty="0">
-                          <a:latin typeface="Arial" panose="020B0604020202020204" pitchFamily="34" charset="0"/>
+                        <a:rPr lang="en-US" sz="1800" b="1" dirty="0">
+                          <a:latin typeface="Aptos (Body)"/>
                           <a:cs typeface="Arial" panose="020B0604020202020204" pitchFamily="34" charset="0"/>
                         </a:rPr>
                         <a:t>1</a:t>
@@ -5879,8 +5880,8 @@
                     <a:lstStyle/>
                     <a:p>
                       <a:r>
-                        <a:rPr lang="en-US" sz="2000" b="1" dirty="0">
-                          <a:latin typeface="Arial" panose="020B0604020202020204" pitchFamily="34" charset="0"/>
+                        <a:rPr lang="en-US" sz="1800" b="1" dirty="0">
+                          <a:latin typeface="Aptos (Body)"/>
                           <a:cs typeface="Arial" panose="020B0604020202020204" pitchFamily="34" charset="0"/>
                         </a:rPr>
                         <a:t>Home Page</a:t>
@@ -5895,8 +5896,8 @@
                     <a:lstStyle/>
                     <a:p>
                       <a:r>
-                        <a:rPr lang="en-US" sz="2000" b="1" dirty="0">
-                          <a:latin typeface="Arial" panose="020B0604020202020204" pitchFamily="34" charset="0"/>
+                        <a:rPr lang="en-US" sz="1800" b="0" dirty="0">
+                          <a:latin typeface="Aptos (Body)"/>
                           <a:cs typeface="Arial" panose="020B0604020202020204" pitchFamily="34" charset="0"/>
                         </a:rPr>
                         <a:t>General site info, signup and login buttons</a:t>
@@ -5918,8 +5919,8 @@
                     <a:lstStyle/>
                     <a:p>
                       <a:r>
-                        <a:rPr lang="en-US" sz="2000" b="1" dirty="0">
-                          <a:latin typeface="Arial" panose="020B0604020202020204" pitchFamily="34" charset="0"/>
+                        <a:rPr lang="en-US" sz="1800" b="1" dirty="0">
+                          <a:latin typeface="Aptos (Body)"/>
                           <a:cs typeface="Arial" panose="020B0604020202020204" pitchFamily="34" charset="0"/>
                         </a:rPr>
                         <a:t>2</a:t>
@@ -5934,8 +5935,8 @@
                     <a:lstStyle/>
                     <a:p>
                       <a:r>
-                        <a:rPr lang="en-US" sz="2000" b="1" dirty="0">
-                          <a:latin typeface="Arial" panose="020B0604020202020204" pitchFamily="34" charset="0"/>
+                        <a:rPr lang="en-US" sz="1800" b="1" dirty="0">
+                          <a:latin typeface="Aptos (Body)"/>
                           <a:cs typeface="Arial" panose="020B0604020202020204" pitchFamily="34" charset="0"/>
                         </a:rPr>
                         <a:t>Signup</a:t>
@@ -5950,8 +5951,8 @@
                     <a:lstStyle/>
                     <a:p>
                       <a:r>
-                        <a:rPr lang="en-US" sz="2000" b="1" dirty="0">
-                          <a:latin typeface="Arial" panose="020B0604020202020204" pitchFamily="34" charset="0"/>
+                        <a:rPr lang="en-US" sz="1800" b="0" dirty="0">
+                          <a:latin typeface="Aptos (Body)"/>
                           <a:cs typeface="Arial" panose="020B0604020202020204" pitchFamily="34" charset="0"/>
                         </a:rPr>
                         <a:t>New user registration form</a:t>
@@ -5973,8 +5974,8 @@
                     <a:lstStyle/>
                     <a:p>
                       <a:r>
-                        <a:rPr lang="en-US" sz="2000" b="1" dirty="0">
-                          <a:latin typeface="Arial" panose="020B0604020202020204" pitchFamily="34" charset="0"/>
+                        <a:rPr lang="en-US" sz="1800" b="1" dirty="0">
+                          <a:latin typeface="Aptos (Body)"/>
                           <a:cs typeface="Arial" panose="020B0604020202020204" pitchFamily="34" charset="0"/>
                         </a:rPr>
                         <a:t>3</a:t>
@@ -5989,8 +5990,8 @@
                     <a:lstStyle/>
                     <a:p>
                       <a:r>
-                        <a:rPr lang="en-US" sz="2000" b="1" dirty="0">
-                          <a:latin typeface="Arial" panose="020B0604020202020204" pitchFamily="34" charset="0"/>
+                        <a:rPr lang="en-US" sz="1800" b="1" dirty="0">
+                          <a:latin typeface="Aptos (Body)"/>
                           <a:cs typeface="Arial" panose="020B0604020202020204" pitchFamily="34" charset="0"/>
                         </a:rPr>
                         <a:t>Login</a:t>
@@ -6005,8 +6006,8 @@
                     <a:lstStyle/>
                     <a:p>
                       <a:r>
-                        <a:rPr lang="en-US" sz="2000" b="1" dirty="0">
-                          <a:latin typeface="Arial" panose="020B0604020202020204" pitchFamily="34" charset="0"/>
+                        <a:rPr lang="en-US" sz="1800" b="0" dirty="0">
+                          <a:latin typeface="Aptos (Body)"/>
                           <a:cs typeface="Arial" panose="020B0604020202020204" pitchFamily="34" charset="0"/>
                         </a:rPr>
                         <a:t>User login form</a:t>
@@ -6028,8 +6029,8 @@
                     <a:lstStyle/>
                     <a:p>
                       <a:r>
-                        <a:rPr lang="en-US" sz="2000" b="1" dirty="0">
-                          <a:latin typeface="Arial" panose="020B0604020202020204" pitchFamily="34" charset="0"/>
+                        <a:rPr lang="en-US" sz="1800" b="1" dirty="0">
+                          <a:latin typeface="Aptos (Body)"/>
                           <a:cs typeface="Arial" panose="020B0604020202020204" pitchFamily="34" charset="0"/>
                         </a:rPr>
                         <a:t>4</a:t>
@@ -6044,8 +6045,8 @@
                     <a:lstStyle/>
                     <a:p>
                       <a:r>
-                        <a:rPr lang="en-US" sz="2000" b="1" dirty="0">
-                          <a:latin typeface="Arial" panose="020B0604020202020204" pitchFamily="34" charset="0"/>
+                        <a:rPr lang="en-US" sz="1800" b="1" dirty="0">
+                          <a:latin typeface="Aptos (Body)"/>
                           <a:cs typeface="Arial" panose="020B0604020202020204" pitchFamily="34" charset="0"/>
                         </a:rPr>
                         <a:t>Dashboard</a:t>
@@ -6060,8 +6061,8 @@
                     <a:lstStyle/>
                     <a:p>
                       <a:r>
-                        <a:rPr lang="en-US" sz="2000" b="1" dirty="0">
-                          <a:latin typeface="Arial" panose="020B0604020202020204" pitchFamily="34" charset="0"/>
+                        <a:rPr lang="en-US" sz="1800" b="0" dirty="0">
+                          <a:latin typeface="Aptos (Body)"/>
                           <a:cs typeface="Arial" panose="020B0604020202020204" pitchFamily="34" charset="0"/>
                         </a:rPr>
                         <a:t>Display monthly average income, transactions and statistics</a:t>
@@ -6083,8 +6084,8 @@
                     <a:lstStyle/>
                     <a:p>
                       <a:r>
-                        <a:rPr lang="en-US" sz="2000" b="1" dirty="0">
-                          <a:latin typeface="Arial" panose="020B0604020202020204" pitchFamily="34" charset="0"/>
+                        <a:rPr lang="en-US" sz="1800" b="1" dirty="0">
+                          <a:latin typeface="Aptos (Body)"/>
                           <a:cs typeface="Arial" panose="020B0604020202020204" pitchFamily="34" charset="0"/>
                         </a:rPr>
                         <a:t>5</a:t>
@@ -6099,8 +6100,8 @@
                     <a:lstStyle/>
                     <a:p>
                       <a:r>
-                        <a:rPr lang="en-US" sz="2000" b="1" dirty="0">
-                          <a:latin typeface="Arial" panose="020B0604020202020204" pitchFamily="34" charset="0"/>
+                        <a:rPr lang="en-US" sz="1800" b="1" dirty="0">
+                          <a:latin typeface="Aptos (Body)"/>
                           <a:cs typeface="Arial" panose="020B0604020202020204" pitchFamily="34" charset="0"/>
                         </a:rPr>
                         <a:t>Add Transaction</a:t>
@@ -6115,8 +6116,8 @@
                     <a:lstStyle/>
                     <a:p>
                       <a:r>
-                        <a:rPr lang="en-US" sz="2000" b="1" dirty="0">
-                          <a:latin typeface="Arial" panose="020B0604020202020204" pitchFamily="34" charset="0"/>
+                        <a:rPr lang="en-US" sz="1800" b="0" dirty="0">
+                          <a:latin typeface="Aptos (Body)"/>
                           <a:cs typeface="Arial" panose="020B0604020202020204" pitchFamily="34" charset="0"/>
                         </a:rPr>
                         <a:t>Form to add new transactions</a:t>
@@ -6138,8 +6139,8 @@
                     <a:lstStyle/>
                     <a:p>
                       <a:r>
-                        <a:rPr lang="en-US" sz="2000" b="1" dirty="0">
-                          <a:latin typeface="Arial" panose="020B0604020202020204" pitchFamily="34" charset="0"/>
+                        <a:rPr lang="en-US" sz="1800" b="1" dirty="0">
+                          <a:latin typeface="Aptos (Body)"/>
                           <a:cs typeface="Arial" panose="020B0604020202020204" pitchFamily="34" charset="0"/>
                         </a:rPr>
                         <a:t>6</a:t>
@@ -6171,8 +6172,8 @@
                         <a:defRPr/>
                       </a:pPr>
                       <a:r>
-                        <a:rPr lang="en-US" sz="2000" b="1" dirty="0">
-                          <a:latin typeface="Arial" panose="020B0604020202020204" pitchFamily="34" charset="0"/>
+                        <a:rPr lang="en-US" sz="1800" b="1" dirty="0">
+                          <a:latin typeface="Aptos (Body)"/>
                           <a:cs typeface="Arial" panose="020B0604020202020204" pitchFamily="34" charset="0"/>
                         </a:rPr>
                         <a:t>AI Suggestions</a:t>
@@ -6204,8 +6205,8 @@
                         <a:defRPr/>
                       </a:pPr>
                       <a:r>
-                        <a:rPr lang="en-US" sz="2000" b="1" dirty="0">
-                          <a:latin typeface="Arial" panose="020B0604020202020204" pitchFamily="34" charset="0"/>
+                        <a:rPr lang="en-US" sz="1800" b="0" dirty="0">
+                          <a:latin typeface="Aptos (Body)"/>
                           <a:cs typeface="Arial" panose="020B0604020202020204" pitchFamily="34" charset="0"/>
                         </a:rPr>
                         <a:t>screen with financial tips and spending suggestions.</a:t>
@@ -6217,6 +6218,104 @@
                 <a:extLst>
                   <a:ext uri="{0D108BD9-81ED-4DB2-BD59-A6C34878D82A}">
                     <a16:rowId xmlns:a16="http://schemas.microsoft.com/office/drawing/2014/main" val="2709326650"/>
+                  </a:ext>
+                </a:extLst>
+              </a:tr>
+              <a:tr h="701040">
+                <a:tc>
+                  <a:txBody>
+                    <a:bodyPr/>
+                    <a:lstStyle/>
+                    <a:p>
+                      <a:r>
+                        <a:rPr lang="en-US" sz="1800" b="1" dirty="0">
+                          <a:latin typeface="Aptos (Body)"/>
+                          <a:cs typeface="Arial" panose="020B0604020202020204" pitchFamily="34" charset="0"/>
+                        </a:rPr>
+                        <a:t>7</a:t>
+                      </a:r>
+                    </a:p>
+                  </a:txBody>
+                  <a:tcPr anchor="ctr"/>
+                </a:tc>
+                <a:tc>
+                  <a:txBody>
+                    <a:bodyPr/>
+                    <a:lstStyle/>
+                    <a:p>
+                      <a:pPr marL="0" marR="0" lvl="0" indent="0" algn="l" defTabSz="914400" rtl="0" eaLnBrk="1" fontAlgn="auto" latinLnBrk="0" hangingPunct="1">
+                        <a:lnSpc>
+                          <a:spcPct val="100000"/>
+                        </a:lnSpc>
+                        <a:spcBef>
+                          <a:spcPts val="0"/>
+                        </a:spcBef>
+                        <a:spcAft>
+                          <a:spcPts val="0"/>
+                        </a:spcAft>
+                        <a:buClrTx/>
+                        <a:buSzTx/>
+                        <a:buFontTx/>
+                        <a:buNone/>
+                        <a:tabLst/>
+                        <a:defRPr/>
+                      </a:pPr>
+                      <a:r>
+                        <a:rPr lang="en-US" sz="1800" b="1" dirty="0">
+                          <a:latin typeface="Aptos (Body)"/>
+                          <a:cs typeface="Arial" panose="020B0604020202020204" pitchFamily="34" charset="0"/>
+                        </a:rPr>
+                        <a:t>Settings</a:t>
+                      </a:r>
+                    </a:p>
+                  </a:txBody>
+                  <a:tcPr anchor="ctr"/>
+                </a:tc>
+                <a:tc>
+                  <a:txBody>
+                    <a:bodyPr/>
+                    <a:lstStyle/>
+                    <a:p>
+                      <a:pPr marL="0" marR="0" lvl="0" indent="0" algn="l" defTabSz="914400" rtl="0" eaLnBrk="1" fontAlgn="auto" latinLnBrk="0" hangingPunct="1">
+                        <a:lnSpc>
+                          <a:spcPct val="100000"/>
+                        </a:lnSpc>
+                        <a:spcBef>
+                          <a:spcPts val="0"/>
+                        </a:spcBef>
+                        <a:spcAft>
+                          <a:spcPts val="0"/>
+                        </a:spcAft>
+                        <a:buClrTx/>
+                        <a:buSzTx/>
+                        <a:buFontTx/>
+                        <a:buNone/>
+                        <a:tabLst/>
+                        <a:defRPr/>
+                      </a:pPr>
+                      <a:r>
+                        <a:rPr lang="en-US" sz="1800" b="0" i="0" kern="1200" dirty="0">
+                          <a:solidFill>
+                            <a:schemeClr val="dk1"/>
+                          </a:solidFill>
+                          <a:effectLst/>
+                          <a:latin typeface="Aptos (Body)"/>
+                          <a:ea typeface="+mn-ea"/>
+                          <a:cs typeface="+mn-cs"/>
+                        </a:rPr>
+                        <a:t>Profile management and password updates</a:t>
+                      </a:r>
+                      <a:endParaRPr lang="en-US" sz="1800" b="0" dirty="0">
+                        <a:latin typeface="Aptos (Body)"/>
+                        <a:cs typeface="Arial" panose="020B0604020202020204" pitchFamily="34" charset="0"/>
+                      </a:endParaRPr>
+                    </a:p>
+                  </a:txBody>
+                  <a:tcPr anchor="ctr"/>
+                </a:tc>
+                <a:extLst>
+                  <a:ext uri="{0D108BD9-81ED-4DB2-BD59-A6C34878D82A}">
+                    <a16:rowId xmlns:a16="http://schemas.microsoft.com/office/drawing/2014/main" val="1457356884"/>
                   </a:ext>
                 </a:extLst>
               </a:tr>
@@ -6605,7 +6704,7 @@
             <p:ph idx="1"/>
             <p:extLst>
               <p:ext uri="{D42A27DB-BD31-4B8C-83A1-F6EECF244321}">
-                <p14:modId xmlns:p14="http://schemas.microsoft.com/office/powerpoint/2010/main" val="2080052358"/>
+                <p14:modId xmlns:p14="http://schemas.microsoft.com/office/powerpoint/2010/main" val="1958905464"/>
               </p:ext>
             </p:extLst>
           </p:nvPr>
@@ -6643,24 +6742,28 @@
                     <a:lstStyle/>
                     <a:p>
                       <a:r>
-                        <a:rPr lang="en-US" sz="2000" b="1" dirty="0">
-                          <a:latin typeface="Arial" panose="020B0604020202020204" pitchFamily="34" charset="0"/>
+                        <a:rPr lang="en-US" sz="1800" b="1">
+                          <a:latin typeface="Aptos (Body)"/>
                           <a:cs typeface="Arial" panose="020B0604020202020204" pitchFamily="34" charset="0"/>
                         </a:rPr>
                         <a:t>Scenario</a:t>
                       </a:r>
-                    </a:p>
-                  </a:txBody>
-                  <a:tcPr anchor="ctr"/>
-                </a:tc>
-                <a:tc>
-                  <a:txBody>
-                    <a:bodyPr/>
-                    <a:lstStyle/>
-                    <a:p>
-                      <a:r>
-                        <a:rPr lang="en-US" sz="2000" b="1" dirty="0">
-                          <a:latin typeface="Arial" panose="020B0604020202020204" pitchFamily="34" charset="0"/>
+                      <a:endParaRPr lang="en-US" sz="1800" b="1" dirty="0">
+                        <a:latin typeface="Aptos (Body)"/>
+                        <a:cs typeface="Arial" panose="020B0604020202020204" pitchFamily="34" charset="0"/>
+                      </a:endParaRPr>
+                    </a:p>
+                  </a:txBody>
+                  <a:tcPr anchor="ctr"/>
+                </a:tc>
+                <a:tc>
+                  <a:txBody>
+                    <a:bodyPr/>
+                    <a:lstStyle/>
+                    <a:p>
+                      <a:r>
+                        <a:rPr lang="en-US" sz="1800" b="1" dirty="0">
+                          <a:latin typeface="Aptos (Body)"/>
                           <a:cs typeface="Arial" panose="020B0604020202020204" pitchFamily="34" charset="0"/>
                         </a:rPr>
                         <a:t>Description</a:t>
@@ -6682,28 +6785,36 @@
                     <a:lstStyle/>
                     <a:p>
                       <a:r>
-                        <a:rPr lang="en-US" sz="2000" b="1" dirty="0">
-                          <a:latin typeface="Arial" panose="020B0604020202020204" pitchFamily="34" charset="0"/>
+                        <a:rPr lang="en-US" sz="1800" b="1">
+                          <a:latin typeface="Aptos (Body)"/>
                           <a:cs typeface="Arial" panose="020B0604020202020204" pitchFamily="34" charset="0"/>
                         </a:rPr>
                         <a:t>Signup</a:t>
                       </a:r>
-                    </a:p>
-                  </a:txBody>
-                  <a:tcPr anchor="ctr"/>
-                </a:tc>
-                <a:tc>
-                  <a:txBody>
-                    <a:bodyPr/>
-                    <a:lstStyle/>
-                    <a:p>
-                      <a:r>
-                        <a:rPr lang="en-US" sz="2000" b="1" dirty="0">
-                          <a:latin typeface="Arial" panose="020B0604020202020204" pitchFamily="34" charset="0"/>
+                      <a:endParaRPr lang="en-US" sz="1800" b="1" dirty="0">
+                        <a:latin typeface="Aptos (Body)"/>
+                        <a:cs typeface="Arial" panose="020B0604020202020204" pitchFamily="34" charset="0"/>
+                      </a:endParaRPr>
+                    </a:p>
+                  </a:txBody>
+                  <a:tcPr anchor="ctr"/>
+                </a:tc>
+                <a:tc>
+                  <a:txBody>
+                    <a:bodyPr/>
+                    <a:lstStyle/>
+                    <a:p>
+                      <a:r>
+                        <a:rPr lang="en-US" sz="1800" b="0">
+                          <a:latin typeface="Aptos (Body)"/>
                           <a:cs typeface="Arial" panose="020B0604020202020204" pitchFamily="34" charset="0"/>
                         </a:rPr>
                         <a:t>User registers a new account</a:t>
                       </a:r>
+                      <a:endParaRPr lang="en-US" sz="1800" b="0" dirty="0">
+                        <a:latin typeface="Aptos (Body)"/>
+                        <a:cs typeface="Arial" panose="020B0604020202020204" pitchFamily="34" charset="0"/>
+                      </a:endParaRPr>
                     </a:p>
                   </a:txBody>
                   <a:tcPr anchor="ctr"/>
@@ -6721,8 +6832,8 @@
                     <a:lstStyle/>
                     <a:p>
                       <a:r>
-                        <a:rPr lang="en-US" sz="2000" b="1" dirty="0">
-                          <a:latin typeface="Arial" panose="020B0604020202020204" pitchFamily="34" charset="0"/>
+                        <a:rPr lang="en-US" sz="1800" b="1" dirty="0">
+                          <a:latin typeface="Aptos (Body)"/>
                           <a:cs typeface="Arial" panose="020B0604020202020204" pitchFamily="34" charset="0"/>
                         </a:rPr>
                         <a:t>Income Calculation</a:t>
@@ -6737,12 +6848,16 @@
                     <a:lstStyle/>
                     <a:p>
                       <a:r>
-                        <a:rPr lang="en-US" sz="2000" b="1" dirty="0">
-                          <a:latin typeface="Arial" panose="020B0604020202020204" pitchFamily="34" charset="0"/>
+                        <a:rPr lang="en-US" sz="1800" b="0">
+                          <a:latin typeface="Aptos (Body)"/>
                           <a:cs typeface="Arial" panose="020B0604020202020204" pitchFamily="34" charset="0"/>
                         </a:rPr>
                         <a:t>User enters incomes, app calculates monthly average</a:t>
                       </a:r>
+                      <a:endParaRPr lang="en-US" sz="1800" b="0" dirty="0">
+                        <a:latin typeface="Aptos (Body)"/>
+                        <a:cs typeface="Arial" panose="020B0604020202020204" pitchFamily="34" charset="0"/>
+                      </a:endParaRPr>
                     </a:p>
                   </a:txBody>
                   <a:tcPr anchor="ctr"/>
@@ -6760,28 +6875,36 @@
                     <a:lstStyle/>
                     <a:p>
                       <a:r>
-                        <a:rPr lang="en-US" sz="2000" b="1" dirty="0">
-                          <a:latin typeface="Arial" panose="020B0604020202020204" pitchFamily="34" charset="0"/>
+                        <a:rPr lang="en-US" sz="1800" b="1">
+                          <a:latin typeface="Aptos (Body)"/>
                           <a:cs typeface="Arial" panose="020B0604020202020204" pitchFamily="34" charset="0"/>
                         </a:rPr>
                         <a:t>Login</a:t>
                       </a:r>
-                    </a:p>
-                  </a:txBody>
-                  <a:tcPr anchor="ctr"/>
-                </a:tc>
-                <a:tc>
-                  <a:txBody>
-                    <a:bodyPr/>
-                    <a:lstStyle/>
-                    <a:p>
-                      <a:r>
-                        <a:rPr lang="en-US" sz="2000" b="1" dirty="0">
-                          <a:latin typeface="Arial" panose="020B0604020202020204" pitchFamily="34" charset="0"/>
+                      <a:endParaRPr lang="en-US" sz="1800" b="1" dirty="0">
+                        <a:latin typeface="Aptos (Body)"/>
+                        <a:cs typeface="Arial" panose="020B0604020202020204" pitchFamily="34" charset="0"/>
+                      </a:endParaRPr>
+                    </a:p>
+                  </a:txBody>
+                  <a:tcPr anchor="ctr"/>
+                </a:tc>
+                <a:tc>
+                  <a:txBody>
+                    <a:bodyPr/>
+                    <a:lstStyle/>
+                    <a:p>
+                      <a:r>
+                        <a:rPr lang="en-US" sz="1800" b="0">
+                          <a:latin typeface="Aptos (Body)"/>
                           <a:cs typeface="Arial" panose="020B0604020202020204" pitchFamily="34" charset="0"/>
                         </a:rPr>
                         <a:t>User logs in with existing credentials</a:t>
                       </a:r>
+                      <a:endParaRPr lang="en-US" sz="1800" b="0" dirty="0">
+                        <a:latin typeface="Aptos (Body)"/>
+                        <a:cs typeface="Arial" panose="020B0604020202020204" pitchFamily="34" charset="0"/>
+                      </a:endParaRPr>
                     </a:p>
                   </a:txBody>
                   <a:tcPr anchor="ctr"/>
@@ -6799,28 +6922,36 @@
                     <a:lstStyle/>
                     <a:p>
                       <a:r>
-                        <a:rPr lang="en-US" sz="2000" b="1" dirty="0">
-                          <a:latin typeface="Arial" panose="020B0604020202020204" pitchFamily="34" charset="0"/>
+                        <a:rPr lang="en-US" sz="1800" b="1">
+                          <a:latin typeface="Aptos (Body)"/>
                           <a:cs typeface="Arial" panose="020B0604020202020204" pitchFamily="34" charset="0"/>
                         </a:rPr>
                         <a:t>Add Transactions</a:t>
                       </a:r>
-                    </a:p>
-                  </a:txBody>
-                  <a:tcPr anchor="ctr"/>
-                </a:tc>
-                <a:tc>
-                  <a:txBody>
-                    <a:bodyPr/>
-                    <a:lstStyle/>
-                    <a:p>
-                      <a:r>
-                        <a:rPr lang="en-US" sz="2000" b="1" dirty="0">
-                          <a:latin typeface="Arial" panose="020B0604020202020204" pitchFamily="34" charset="0"/>
+                      <a:endParaRPr lang="en-US" sz="1800" b="1" dirty="0">
+                        <a:latin typeface="Aptos (Body)"/>
+                        <a:cs typeface="Arial" panose="020B0604020202020204" pitchFamily="34" charset="0"/>
+                      </a:endParaRPr>
+                    </a:p>
+                  </a:txBody>
+                  <a:tcPr anchor="ctr"/>
+                </a:tc>
+                <a:tc>
+                  <a:txBody>
+                    <a:bodyPr/>
+                    <a:lstStyle/>
+                    <a:p>
+                      <a:r>
+                        <a:rPr lang="en-US" sz="1800" b="0">
+                          <a:latin typeface="Aptos (Body)"/>
                           <a:cs typeface="Arial" panose="020B0604020202020204" pitchFamily="34" charset="0"/>
                         </a:rPr>
                         <a:t>User adds expenses into the system</a:t>
                       </a:r>
+                      <a:endParaRPr lang="en-US" sz="1800" b="0" dirty="0">
+                        <a:latin typeface="Aptos (Body)"/>
+                        <a:cs typeface="Arial" panose="020B0604020202020204" pitchFamily="34" charset="0"/>
+                      </a:endParaRPr>
                     </a:p>
                   </a:txBody>
                   <a:tcPr anchor="ctr"/>
@@ -6838,28 +6969,36 @@
                     <a:lstStyle/>
                     <a:p>
                       <a:r>
-                        <a:rPr lang="en-US" sz="2000" b="1" dirty="0">
-                          <a:latin typeface="Arial" panose="020B0604020202020204" pitchFamily="34" charset="0"/>
+                        <a:rPr lang="en-US" sz="1800" b="1">
+                          <a:latin typeface="Aptos (Body)"/>
                           <a:cs typeface="Arial" panose="020B0604020202020204" pitchFamily="34" charset="0"/>
                         </a:rPr>
                         <a:t>Monthly Report Generation</a:t>
                       </a:r>
-                    </a:p>
-                  </a:txBody>
-                  <a:tcPr anchor="ctr"/>
-                </a:tc>
-                <a:tc>
-                  <a:txBody>
-                    <a:bodyPr/>
-                    <a:lstStyle/>
-                    <a:p>
-                      <a:r>
-                        <a:rPr lang="en-US" sz="2000" b="1" dirty="0">
-                          <a:latin typeface="Arial" panose="020B0604020202020204" pitchFamily="34" charset="0"/>
+                      <a:endParaRPr lang="en-US" sz="1800" b="1" dirty="0">
+                        <a:latin typeface="Aptos (Body)"/>
+                        <a:cs typeface="Arial" panose="020B0604020202020204" pitchFamily="34" charset="0"/>
+                      </a:endParaRPr>
+                    </a:p>
+                  </a:txBody>
+                  <a:tcPr anchor="ctr"/>
+                </a:tc>
+                <a:tc>
+                  <a:txBody>
+                    <a:bodyPr/>
+                    <a:lstStyle/>
+                    <a:p>
+                      <a:r>
+                        <a:rPr lang="en-US" sz="1800" b="0">
+                          <a:latin typeface="Aptos (Body)"/>
                           <a:cs typeface="Arial" panose="020B0604020202020204" pitchFamily="34" charset="0"/>
                         </a:rPr>
                         <a:t>App generates monthly spending stats &amp; improvement suggestions</a:t>
                       </a:r>
+                      <a:endParaRPr lang="en-US" sz="1800" b="0" dirty="0">
+                        <a:latin typeface="Aptos (Body)"/>
+                        <a:cs typeface="Arial" panose="020B0604020202020204" pitchFamily="34" charset="0"/>
+                      </a:endParaRPr>
                     </a:p>
                   </a:txBody>
                   <a:tcPr anchor="ctr"/>
@@ -6877,24 +7016,24 @@
                     <a:lstStyle/>
                     <a:p>
                       <a:r>
-                        <a:rPr lang="en-US" sz="2000" b="1" dirty="0">
-                          <a:latin typeface="Arial" panose="020B0604020202020204" pitchFamily="34" charset="0"/>
-                          <a:cs typeface="Arial" panose="020B0604020202020204" pitchFamily="34" charset="0"/>
-                        </a:rPr>
-                        <a:t>AI Suggestions</a:t>
-                      </a:r>
-                    </a:p>
-                  </a:txBody>
-                  <a:tcPr anchor="ctr"/>
-                </a:tc>
-                <a:tc>
-                  <a:txBody>
-                    <a:bodyPr/>
-                    <a:lstStyle/>
-                    <a:p>
-                      <a:r>
-                        <a:rPr lang="en-US" sz="2000" b="1" dirty="0">
-                          <a:latin typeface="Arial" panose="020B0604020202020204" pitchFamily="34" charset="0"/>
+                        <a:rPr lang="en-US" sz="1800" b="1" dirty="0">
+                          <a:latin typeface="Aptos (Body)"/>
+                          <a:cs typeface="Arial" panose="020B0604020202020204" pitchFamily="34" charset="0"/>
+                        </a:rPr>
+                        <a:t>AI Recommendations</a:t>
+                      </a:r>
+                    </a:p>
+                  </a:txBody>
+                  <a:tcPr anchor="ctr"/>
+                </a:tc>
+                <a:tc>
+                  <a:txBody>
+                    <a:bodyPr/>
+                    <a:lstStyle/>
+                    <a:p>
+                      <a:r>
+                        <a:rPr lang="en-US" sz="1800" b="0" dirty="0">
+                          <a:latin typeface="Aptos (Body)"/>
                           <a:cs typeface="Arial" panose="020B0604020202020204" pitchFamily="34" charset="0"/>
                         </a:rPr>
                         <a:t>User receives financial advice, habit management techniques</a:t>
@@ -7738,14 +7877,14 @@
             <p:ph idx="1"/>
             <p:extLst>
               <p:ext uri="{D42A27DB-BD31-4B8C-83A1-F6EECF244321}">
-                <p14:modId xmlns:p14="http://schemas.microsoft.com/office/powerpoint/2010/main" val="1064129392"/>
+                <p14:modId xmlns:p14="http://schemas.microsoft.com/office/powerpoint/2010/main" val="2841894082"/>
               </p:ext>
             </p:extLst>
           </p:nvPr>
         </p:nvGraphicFramePr>
         <p:xfrm>
           <a:off x="645695" y="1507958"/>
-          <a:ext cx="10515600" cy="2472738"/>
+          <a:ext cx="10515600" cy="3296984"/>
         </p:xfrm>
         <a:graphic>
           <a:graphicData uri="http://schemas.openxmlformats.org/drawingml/2006/table">
@@ -7777,8 +7916,8 @@
                     <a:p>
                       <a:pPr algn="ctr"/>
                       <a:r>
-                        <a:rPr lang="en-US" sz="2000" b="1" dirty="0">
-                          <a:latin typeface="Arial" panose="020B0604020202020204" pitchFamily="34" charset="0"/>
+                        <a:rPr lang="en-US" sz="1800" b="1" dirty="0">
+                          <a:latin typeface="Aptos (Body)"/>
                           <a:cs typeface="Arial" panose="020B0604020202020204" pitchFamily="34" charset="0"/>
                         </a:rPr>
                         <a:t>Table Name </a:t>
@@ -7794,8 +7933,8 @@
                     <a:p>
                       <a:pPr algn="ctr"/>
                       <a:r>
-                        <a:rPr lang="en-US" sz="2000" b="1" dirty="0">
-                          <a:latin typeface="Arial" panose="020B0604020202020204" pitchFamily="34" charset="0"/>
+                        <a:rPr lang="en-US" sz="1800" b="1" dirty="0">
+                          <a:latin typeface="Aptos (Body)"/>
                           <a:cs typeface="Arial" panose="020B0604020202020204" pitchFamily="34" charset="0"/>
                         </a:rPr>
                         <a:t>Fields</a:t>
@@ -7818,8 +7957,8 @@
                     <a:p>
                       <a:pPr algn="ctr"/>
                       <a:r>
-                        <a:rPr lang="en-US" sz="2000" b="1" dirty="0">
-                          <a:latin typeface="Arial" panose="020B0604020202020204" pitchFamily="34" charset="0"/>
+                        <a:rPr lang="en-US" sz="1800" b="1" dirty="0">
+                          <a:latin typeface="Aptos (Body)"/>
                           <a:cs typeface="Arial" panose="020B0604020202020204" pitchFamily="34" charset="0"/>
                         </a:rPr>
                         <a:t>Users</a:t>
@@ -7835,32 +7974,18 @@
                     <a:p>
                       <a:pPr algn="ctr"/>
                       <a:r>
-                        <a:rPr lang="en-US" sz="2000" b="1" dirty="0" err="1">
-                          <a:latin typeface="Arial" panose="020B0604020202020204" pitchFamily="34" charset="0"/>
-                          <a:cs typeface="Arial" panose="020B0604020202020204" pitchFamily="34" charset="0"/>
-                        </a:rPr>
-                        <a:t>userId</a:t>
-                      </a:r>
-                      <a:r>
-                        <a:rPr lang="en-US" sz="2000" b="1" dirty="0">
-                          <a:latin typeface="Arial" panose="020B0604020202020204" pitchFamily="34" charset="0"/>
-                          <a:cs typeface="Arial" panose="020B0604020202020204" pitchFamily="34" charset="0"/>
-                        </a:rPr>
-                        <a:t>(PK) , name , email(UN) , phone , </a:t>
-                      </a:r>
-                      <a:r>
-                        <a:rPr lang="en-US" sz="2000" b="1" dirty="0" err="1">
-                          <a:latin typeface="Arial" panose="020B0604020202020204" pitchFamily="34" charset="0"/>
-                          <a:cs typeface="Arial" panose="020B0604020202020204" pitchFamily="34" charset="0"/>
-                        </a:rPr>
-                        <a:t>averageIncome</a:t>
-                      </a:r>
-                      <a:r>
-                        <a:rPr lang="en-US" sz="2000" b="1" dirty="0">
-                          <a:latin typeface="Arial" panose="020B0604020202020204" pitchFamily="34" charset="0"/>
-                          <a:cs typeface="Arial" panose="020B0604020202020204" pitchFamily="34" charset="0"/>
-                        </a:rPr>
-                        <a:t> </a:t>
+                        <a:rPr lang="en-US" sz="1800" b="0" dirty="0" err="1">
+                          <a:latin typeface="Aptos (Body)"/>
+                          <a:cs typeface="Arial" panose="020B0604020202020204" pitchFamily="34" charset="0"/>
+                        </a:rPr>
+                        <a:t>user_id</a:t>
+                      </a:r>
+                      <a:r>
+                        <a:rPr lang="en-US" sz="1800" b="0" dirty="0">
+                          <a:latin typeface="Aptos (Body)"/>
+                          <a:cs typeface="Arial" panose="020B0604020202020204" pitchFamily="34" charset="0"/>
+                        </a:rPr>
+                        <a:t>(PK) , name , email(UN) , password , phone</a:t>
                       </a:r>
                     </a:p>
                   </a:txBody>
@@ -7880,11 +8005,11 @@
                     <a:p>
                       <a:pPr algn="ctr"/>
                       <a:r>
-                        <a:rPr lang="en-US" sz="2000" b="1" dirty="0">
-                          <a:latin typeface="Arial" panose="020B0604020202020204" pitchFamily="34" charset="0"/>
-                          <a:cs typeface="Arial" panose="020B0604020202020204" pitchFamily="34" charset="0"/>
-                        </a:rPr>
-                        <a:t>Transitions</a:t>
+                        <a:rPr lang="en-US" sz="1800" b="1" dirty="0">
+                          <a:latin typeface="Aptos (Body)"/>
+                          <a:cs typeface="Arial" panose="020B0604020202020204" pitchFamily="34" charset="0"/>
+                        </a:rPr>
+                        <a:t>Transaction</a:t>
                       </a:r>
                     </a:p>
                   </a:txBody>
@@ -7897,33 +8022,58 @@
                     <a:p>
                       <a:pPr algn="ctr"/>
                       <a:r>
-                        <a:rPr lang="en-US" sz="2000" b="1" dirty="0" err="1">
-                          <a:latin typeface="Arial" panose="020B0604020202020204" pitchFamily="34" charset="0"/>
-                          <a:cs typeface="Arial" panose="020B0604020202020204" pitchFamily="34" charset="0"/>
-                        </a:rPr>
-                        <a:t>transactionId</a:t>
-                      </a:r>
-                      <a:r>
-                        <a:rPr lang="en-US" sz="2000" b="1" dirty="0">
-                          <a:latin typeface="Arial" panose="020B0604020202020204" pitchFamily="34" charset="0"/>
+                        <a:rPr lang="en-US" sz="1800" b="0" dirty="0" err="1">
+                          <a:latin typeface="Aptos (Body)"/>
+                          <a:cs typeface="Arial" panose="020B0604020202020204" pitchFamily="34" charset="0"/>
+                        </a:rPr>
+                        <a:t>transaction_id</a:t>
+                      </a:r>
+                      <a:r>
+                        <a:rPr lang="en-US" sz="1800" b="0" dirty="0">
+                          <a:latin typeface="Aptos (Body)"/>
                           <a:cs typeface="Arial" panose="020B0604020202020204" pitchFamily="34" charset="0"/>
                         </a:rPr>
                         <a:t>(PK) , </a:t>
                       </a:r>
                       <a:r>
-                        <a:rPr lang="en-US" sz="2000" b="1" dirty="0" err="1">
-                          <a:latin typeface="Arial" panose="020B0604020202020204" pitchFamily="34" charset="0"/>
-                          <a:cs typeface="Arial" panose="020B0604020202020204" pitchFamily="34" charset="0"/>
-                        </a:rPr>
-                        <a:t>userId</a:t>
-                      </a:r>
-                      <a:r>
-                        <a:rPr lang="en-US" sz="2000" b="1" dirty="0">
-                          <a:latin typeface="Arial" panose="020B0604020202020204" pitchFamily="34" charset="0"/>
-                          <a:cs typeface="Arial" panose="020B0604020202020204" pitchFamily="34" charset="0"/>
-                        </a:rPr>
-                        <a:t>(FK) , name , description , date , amount</a:t>
-                      </a:r>
+                        <a:rPr lang="en-US" sz="1800" b="0" dirty="0" err="1">
+                          <a:latin typeface="Aptos (Body)"/>
+                          <a:cs typeface="Arial" panose="020B0604020202020204" pitchFamily="34" charset="0"/>
+                        </a:rPr>
+                        <a:t>user_id</a:t>
+                      </a:r>
+                      <a:r>
+                        <a:rPr lang="en-US" sz="1800" b="0" dirty="0">
+                          <a:latin typeface="Aptos (Body)"/>
+                          <a:cs typeface="Arial" panose="020B0604020202020204" pitchFamily="34" charset="0"/>
+                        </a:rPr>
+                        <a:t>(FK) , description , date , amount, category, </a:t>
+                      </a:r>
+                      <a:r>
+                        <a:rPr lang="en-US" sz="1800" b="0" dirty="0" err="1">
+                          <a:latin typeface="Aptos (Body)"/>
+                          <a:cs typeface="Arial" panose="020B0604020202020204" pitchFamily="34" charset="0"/>
+                        </a:rPr>
+                        <a:t>is_recurring</a:t>
+                      </a:r>
+                      <a:r>
+                        <a:rPr lang="en-US" sz="1800" b="0" dirty="0">
+                          <a:latin typeface="Aptos (Body)"/>
+                          <a:cs typeface="Arial" panose="020B0604020202020204" pitchFamily="34" charset="0"/>
+                        </a:rPr>
+                        <a:t>, </a:t>
+                      </a:r>
+                      <a:r>
+                        <a:rPr lang="en-US" sz="1800" b="0" dirty="0" err="1">
+                          <a:latin typeface="Aptos (Body)"/>
+                          <a:cs typeface="Arial" panose="020B0604020202020204" pitchFamily="34" charset="0"/>
+                        </a:rPr>
+                        <a:t>recurring_duration</a:t>
+                      </a:r>
+                      <a:endParaRPr lang="en-US" sz="1800" b="0" dirty="0">
+                        <a:latin typeface="Aptos (Body)"/>
+                        <a:cs typeface="Arial" panose="020B0604020202020204" pitchFamily="34" charset="0"/>
+                      </a:endParaRPr>
                     </a:p>
                   </a:txBody>
                   <a:tcPr anchor="ctr"/>
@@ -7931,6 +8081,107 @@
                 <a:extLst>
                   <a:ext uri="{0D108BD9-81ED-4DB2-BD59-A6C34878D82A}">
                     <a16:rowId xmlns:a16="http://schemas.microsoft.com/office/drawing/2014/main" val="1164036531"/>
+                  </a:ext>
+                </a:extLst>
+              </a:tr>
+              <a:tr h="824246">
+                <a:tc>
+                  <a:txBody>
+                    <a:bodyPr/>
+                    <a:lstStyle/>
+                    <a:p>
+                      <a:pPr algn="ctr"/>
+                      <a:r>
+                        <a:rPr lang="en-US" sz="1800" b="1" dirty="0">
+                          <a:latin typeface="Aptos (Body)"/>
+                          <a:cs typeface="Arial" panose="020B0604020202020204" pitchFamily="34" charset="0"/>
+                        </a:rPr>
+                        <a:t>Statistics</a:t>
+                      </a:r>
+                    </a:p>
+                  </a:txBody>
+                  <a:tcPr anchor="ctr"/>
+                </a:tc>
+                <a:tc>
+                  <a:txBody>
+                    <a:bodyPr/>
+                    <a:lstStyle/>
+                    <a:p>
+                      <a:pPr algn="ctr"/>
+                      <a:r>
+                        <a:rPr lang="en-US" sz="1800" b="0" dirty="0" err="1">
+                          <a:latin typeface="Aptos (Body)"/>
+                          <a:cs typeface="Arial" panose="020B0604020202020204" pitchFamily="34" charset="0"/>
+                        </a:rPr>
+                        <a:t>stats_id</a:t>
+                      </a:r>
+                      <a:r>
+                        <a:rPr lang="en-US" sz="1800" b="0" dirty="0">
+                          <a:latin typeface="Aptos (Body)"/>
+                          <a:cs typeface="Arial" panose="020B0604020202020204" pitchFamily="34" charset="0"/>
+                        </a:rPr>
+                        <a:t>, </a:t>
+                      </a:r>
+                      <a:r>
+                        <a:rPr lang="en-US" sz="1800" b="0" dirty="0" err="1">
+                          <a:latin typeface="Aptos (Body)"/>
+                          <a:cs typeface="Arial" panose="020B0604020202020204" pitchFamily="34" charset="0"/>
+                        </a:rPr>
+                        <a:t>user_id</a:t>
+                      </a:r>
+                      <a:r>
+                        <a:rPr lang="en-US" sz="1800" b="0" dirty="0">
+                          <a:latin typeface="Aptos (Body)"/>
+                          <a:cs typeface="Arial" panose="020B0604020202020204" pitchFamily="34" charset="0"/>
+                        </a:rPr>
+                        <a:t>(FK), </a:t>
+                      </a:r>
+                      <a:r>
+                        <a:rPr lang="en-US" sz="1800" b="0" dirty="0" err="1">
+                          <a:latin typeface="Aptos (Body)"/>
+                          <a:cs typeface="Arial" panose="020B0604020202020204" pitchFamily="34" charset="0"/>
+                        </a:rPr>
+                        <a:t>avg_monthly_income</a:t>
+                      </a:r>
+                      <a:r>
+                        <a:rPr lang="en-US" sz="1800" b="0" dirty="0">
+                          <a:latin typeface="Aptos (Body)"/>
+                          <a:cs typeface="Arial" panose="020B0604020202020204" pitchFamily="34" charset="0"/>
+                        </a:rPr>
+                        <a:t>, </a:t>
+                      </a:r>
+                      <a:r>
+                        <a:rPr lang="en-US" sz="1800" b="0" dirty="0" err="1">
+                          <a:latin typeface="Aptos (Body)"/>
+                          <a:cs typeface="Arial" panose="020B0604020202020204" pitchFamily="34" charset="0"/>
+                        </a:rPr>
+                        <a:t>total_savings</a:t>
+                      </a:r>
+                      <a:r>
+                        <a:rPr lang="en-US" sz="1800" b="0" dirty="0">
+                          <a:latin typeface="Aptos (Body)"/>
+                          <a:cs typeface="Arial" panose="020B0604020202020204" pitchFamily="34" charset="0"/>
+                        </a:rPr>
+                        <a:t>, </a:t>
+                      </a:r>
+                      <a:r>
+                        <a:rPr lang="en-US" sz="1800" b="0" dirty="0" err="1">
+                          <a:latin typeface="Aptos (Body)"/>
+                          <a:cs typeface="Arial" panose="020B0604020202020204" pitchFamily="34" charset="0"/>
+                        </a:rPr>
+                        <a:t>last_updated</a:t>
+                      </a:r>
+                      <a:endParaRPr lang="en-US" sz="1800" b="0" dirty="0">
+                        <a:latin typeface="Aptos (Body)"/>
+                        <a:cs typeface="Arial" panose="020B0604020202020204" pitchFamily="34" charset="0"/>
+                      </a:endParaRPr>
+                    </a:p>
+                  </a:txBody>
+                  <a:tcPr anchor="ctr"/>
+                </a:tc>
+                <a:extLst>
+                  <a:ext uri="{0D108BD9-81ED-4DB2-BD59-A6C34878D82A}">
+                    <a16:rowId xmlns:a16="http://schemas.microsoft.com/office/drawing/2014/main" val="3667110140"/>
                   </a:ext>
                 </a:extLst>
               </a:tr>
@@ -8303,42 +8554,485 @@
           <a:chExt cx="0" cy="0"/>
         </a:xfrm>
       </p:grpSpPr>
-      <p:sp>
-        <p:nvSpPr>
-          <p:cNvPr id="12" name="Content Placeholder 11">
+      <p:graphicFrame>
+        <p:nvGraphicFramePr>
+          <p:cNvPr id="4" name="Content Placeholder 48">
             <a:extLst>
               <a:ext uri="{FF2B5EF4-FFF2-40B4-BE49-F238E27FC236}">
-                <a16:creationId xmlns:a16="http://schemas.microsoft.com/office/drawing/2014/main" id="{574F9FC7-48DC-42AE-5A32-02D41E0643D6}"/>
+                <a16:creationId xmlns:a16="http://schemas.microsoft.com/office/drawing/2014/main" id="{70682394-A64A-5E3F-0B0B-67845838A43D}"/>
               </a:ext>
             </a:extLst>
           </p:cNvPr>
-          <p:cNvSpPr>
-            <a:spLocks noGrp="1"/>
-          </p:cNvSpPr>
+          <p:cNvGraphicFramePr>
+            <a:graphicFrameLocks/>
+          </p:cNvGraphicFramePr>
           <p:nvPr>
-            <p:ph idx="1"/>
+            <p:extLst>
+              <p:ext uri="{D42A27DB-BD31-4B8C-83A1-F6EECF244321}">
+                <p14:modId xmlns:p14="http://schemas.microsoft.com/office/powerpoint/2010/main" val="2810822410"/>
+              </p:ext>
+            </p:extLst>
           </p:nvPr>
-        </p:nvSpPr>
-        <p:spPr>
-          <a:xfrm>
-            <a:off x="838200" y="1137562"/>
-            <a:ext cx="10515600" cy="4351338"/>
-          </a:xfrm>
-        </p:spPr>
-        <p:txBody>
-          <a:bodyPr/>
-          <a:lstStyle/>
-          <a:p>
-            <a:pPr marL="0" indent="0">
-              <a:buNone/>
-            </a:pPr>
-            <a:r>
-              <a:rPr lang="en-US" dirty="0"/>
-              <a:t>Objects</a:t>
-            </a:r>
-          </a:p>
-        </p:txBody>
-      </p:sp>
+        </p:nvGraphicFramePr>
+        <p:xfrm>
+          <a:off x="838201" y="814812"/>
+          <a:ext cx="10515597" cy="5187636"/>
+        </p:xfrm>
+        <a:graphic>
+          <a:graphicData uri="http://schemas.openxmlformats.org/drawingml/2006/table">
+            <a:tbl>
+              <a:tblPr firstRow="1" bandRow="1">
+                <a:tableStyleId>{5C22544A-7EE6-4342-B048-85BDC9FD1C3A}</a:tableStyleId>
+              </a:tblPr>
+              <a:tblGrid>
+                <a:gridCol w="2131336">
+                  <a:extLst>
+                    <a:ext uri="{9D8B030D-6E8A-4147-A177-3AD203B41FA5}">
+                      <a16:colId xmlns:a16="http://schemas.microsoft.com/office/drawing/2014/main" val="2508627351"/>
+                    </a:ext>
+                  </a:extLst>
+                </a:gridCol>
+                <a:gridCol w="3902043">
+                  <a:extLst>
+                    <a:ext uri="{9D8B030D-6E8A-4147-A177-3AD203B41FA5}">
+                      <a16:colId xmlns:a16="http://schemas.microsoft.com/office/drawing/2014/main" val="3906900081"/>
+                    </a:ext>
+                  </a:extLst>
+                </a:gridCol>
+                <a:gridCol w="4482218">
+                  <a:extLst>
+                    <a:ext uri="{9D8B030D-6E8A-4147-A177-3AD203B41FA5}">
+                      <a16:colId xmlns:a16="http://schemas.microsoft.com/office/drawing/2014/main" val="2294401183"/>
+                    </a:ext>
+                  </a:extLst>
+                </a:gridCol>
+              </a:tblGrid>
+              <a:tr h="708889">
+                <a:tc>
+                  <a:txBody>
+                    <a:bodyPr/>
+                    <a:lstStyle/>
+                    <a:p>
+                      <a:r>
+                        <a:rPr lang="en-US" sz="1800" b="1" dirty="0">
+                          <a:latin typeface="Aptos (Body)"/>
+                          <a:cs typeface="Arial" panose="020B0604020202020204" pitchFamily="34" charset="0"/>
+                        </a:rPr>
+                        <a:t>Object Name</a:t>
+                      </a:r>
+                    </a:p>
+                  </a:txBody>
+                  <a:tcPr anchor="ctr"/>
+                </a:tc>
+                <a:tc>
+                  <a:txBody>
+                    <a:bodyPr/>
+                    <a:lstStyle/>
+                    <a:p>
+                      <a:r>
+                        <a:rPr lang="en-US" sz="1800" b="1" dirty="0">
+                          <a:latin typeface="Aptos (Body)"/>
+                          <a:cs typeface="Arial" panose="020B0604020202020204" pitchFamily="34" charset="0"/>
+                        </a:rPr>
+                        <a:t>Name</a:t>
+                      </a:r>
+                    </a:p>
+                  </a:txBody>
+                  <a:tcPr anchor="ctr"/>
+                </a:tc>
+                <a:tc>
+                  <a:txBody>
+                    <a:bodyPr/>
+                    <a:lstStyle/>
+                    <a:p>
+                      <a:r>
+                        <a:rPr lang="en-US" sz="1800" b="1" dirty="0">
+                          <a:latin typeface="Aptos (Body)"/>
+                          <a:cs typeface="Arial" panose="020B0604020202020204" pitchFamily="34" charset="0"/>
+                        </a:rPr>
+                        <a:t>Description</a:t>
+                      </a:r>
+                    </a:p>
+                  </a:txBody>
+                  <a:tcPr anchor="ctr"/>
+                </a:tc>
+                <a:extLst>
+                  <a:ext uri="{0D108BD9-81ED-4DB2-BD59-A6C34878D82A}">
+                    <a16:rowId xmlns:a16="http://schemas.microsoft.com/office/drawing/2014/main" val="1454376258"/>
+                  </a:ext>
+                </a:extLst>
+              </a:tr>
+              <a:tr h="1492916">
+                <a:tc>
+                  <a:txBody>
+                    <a:bodyPr/>
+                    <a:lstStyle/>
+                    <a:p>
+                      <a:r>
+                        <a:rPr lang="en-US" sz="1800" b="1" dirty="0">
+                          <a:latin typeface="Aptos (Body)"/>
+                          <a:cs typeface="Arial" panose="020B0604020202020204" pitchFamily="34" charset="0"/>
+                        </a:rPr>
+                        <a:t>User</a:t>
+                      </a:r>
+                    </a:p>
+                  </a:txBody>
+                  <a:tcPr anchor="ctr"/>
+                </a:tc>
+                <a:tc>
+                  <a:txBody>
+                    <a:bodyPr/>
+                    <a:lstStyle/>
+                    <a:p>
+                      <a:r>
+                        <a:rPr lang="en-US" dirty="0">
+                          <a:effectLst/>
+                        </a:rPr>
+                        <a:t>Represents a registered user account</a:t>
+                      </a:r>
+                    </a:p>
+                  </a:txBody>
+                  <a:tcPr anchor="ctr"/>
+                </a:tc>
+                <a:tc>
+                  <a:txBody>
+                    <a:bodyPr/>
+                    <a:lstStyle/>
+                    <a:p>
+                      <a:pPr marL="285750" indent="-285750">
+                        <a:buFont typeface="Arial" panose="020B0604020202020204" pitchFamily="34" charset="0"/>
+                        <a:buChar char="•"/>
+                      </a:pPr>
+                      <a:r>
+                        <a:rPr lang="en-US" dirty="0">
+                          <a:effectLst/>
+                        </a:rPr>
+                        <a:t>User ID</a:t>
+                      </a:r>
+                    </a:p>
+                    <a:p>
+                      <a:pPr marL="285750" indent="-285750">
+                        <a:buFont typeface="Arial" panose="020B0604020202020204" pitchFamily="34" charset="0"/>
+                        <a:buChar char="•"/>
+                      </a:pPr>
+                      <a:r>
+                        <a:rPr lang="en-US" dirty="0">
+                          <a:effectLst/>
+                        </a:rPr>
+                        <a:t>Email</a:t>
+                      </a:r>
+                    </a:p>
+                    <a:p>
+                      <a:pPr marL="285750" indent="-285750">
+                        <a:buFont typeface="Arial" panose="020B0604020202020204" pitchFamily="34" charset="0"/>
+                        <a:buChar char="•"/>
+                      </a:pPr>
+                      <a:r>
+                        <a:rPr lang="en-US" dirty="0">
+                          <a:effectLst/>
+                        </a:rPr>
+                        <a:t>Password</a:t>
+                      </a:r>
+                    </a:p>
+                    <a:p>
+                      <a:pPr marL="285750" indent="-285750">
+                        <a:buFont typeface="Arial" panose="020B0604020202020204" pitchFamily="34" charset="0"/>
+                        <a:buChar char="•"/>
+                      </a:pPr>
+                      <a:r>
+                        <a:rPr lang="en-US" dirty="0">
+                          <a:effectLst/>
+                        </a:rPr>
+                        <a:t>Name</a:t>
+                      </a:r>
+                    </a:p>
+                    <a:p>
+                      <a:pPr marL="285750" indent="-285750">
+                        <a:buFont typeface="Arial" panose="020B0604020202020204" pitchFamily="34" charset="0"/>
+                        <a:buChar char="•"/>
+                      </a:pPr>
+                      <a:r>
+                        <a:rPr lang="en-US" dirty="0">
+                          <a:effectLst/>
+                        </a:rPr>
+                        <a:t>Phone Number</a:t>
+                      </a:r>
+                      <a:endParaRPr lang="en-IL" dirty="0">
+                        <a:effectLst/>
+                      </a:endParaRPr>
+                    </a:p>
+                  </a:txBody>
+                  <a:tcPr anchor="ctr"/>
+                </a:tc>
+                <a:extLst>
+                  <a:ext uri="{0D108BD9-81ED-4DB2-BD59-A6C34878D82A}">
+                    <a16:rowId xmlns:a16="http://schemas.microsoft.com/office/drawing/2014/main" val="2298916532"/>
+                  </a:ext>
+                </a:extLst>
+              </a:tr>
+              <a:tr h="1772837">
+                <a:tc>
+                  <a:txBody>
+                    <a:bodyPr/>
+                    <a:lstStyle/>
+                    <a:p>
+                      <a:r>
+                        <a:rPr lang="en-US" sz="1800" b="1" dirty="0">
+                          <a:latin typeface="Aptos (Body)"/>
+                          <a:cs typeface="Arial" panose="020B0604020202020204" pitchFamily="34" charset="0"/>
+                        </a:rPr>
+                        <a:t>Transaction</a:t>
+                      </a:r>
+                    </a:p>
+                  </a:txBody>
+                  <a:tcPr anchor="ctr"/>
+                </a:tc>
+                <a:tc>
+                  <a:txBody>
+                    <a:bodyPr/>
+                    <a:lstStyle/>
+                    <a:p>
+                      <a:r>
+                        <a:rPr lang="en-US" sz="1800" b="0" i="0" kern="1200" dirty="0">
+                          <a:solidFill>
+                            <a:schemeClr val="dk1"/>
+                          </a:solidFill>
+                          <a:effectLst/>
+                          <a:latin typeface="+mn-lt"/>
+                          <a:ea typeface="+mn-ea"/>
+                          <a:cs typeface="+mn-cs"/>
+                        </a:rPr>
+                        <a:t>Records financial entries (income/expenses)</a:t>
+                      </a:r>
+                      <a:endParaRPr lang="en-US" sz="1800" b="1" dirty="0">
+                        <a:latin typeface="Aptos (Body)"/>
+                        <a:cs typeface="Arial" panose="020B0604020202020204" pitchFamily="34" charset="0"/>
+                      </a:endParaRPr>
+                    </a:p>
+                  </a:txBody>
+                  <a:tcPr anchor="ctr"/>
+                </a:tc>
+                <a:tc>
+                  <a:txBody>
+                    <a:bodyPr/>
+                    <a:lstStyle/>
+                    <a:p>
+                      <a:pPr marL="285750" indent="-285750">
+                        <a:buFont typeface="Arial" panose="020B0604020202020204" pitchFamily="34" charset="0"/>
+                        <a:buChar char="•"/>
+                      </a:pPr>
+                      <a:r>
+                        <a:rPr lang="en-US" sz="1800" b="0" dirty="0">
+                          <a:latin typeface="Aptos (Body)"/>
+                          <a:cs typeface="Arial" panose="020B0604020202020204" pitchFamily="34" charset="0"/>
+                        </a:rPr>
+                        <a:t>Transaction ID</a:t>
+                      </a:r>
+                    </a:p>
+                    <a:p>
+                      <a:pPr marL="285750" indent="-285750">
+                        <a:buFont typeface="Arial" panose="020B0604020202020204" pitchFamily="34" charset="0"/>
+                        <a:buChar char="•"/>
+                      </a:pPr>
+                      <a:r>
+                        <a:rPr lang="en-US" sz="1800" b="0" dirty="0">
+                          <a:latin typeface="Aptos (Body)"/>
+                          <a:cs typeface="Arial" panose="020B0604020202020204" pitchFamily="34" charset="0"/>
+                        </a:rPr>
+                        <a:t>Amount (+/-)</a:t>
+                      </a:r>
+                    </a:p>
+                    <a:p>
+                      <a:pPr marL="285750" indent="-285750">
+                        <a:buFont typeface="Arial" panose="020B0604020202020204" pitchFamily="34" charset="0"/>
+                        <a:buChar char="•"/>
+                      </a:pPr>
+                      <a:r>
+                        <a:rPr lang="en-US" sz="1800" b="0" dirty="0">
+                          <a:latin typeface="Aptos (Body)"/>
+                          <a:cs typeface="Arial" panose="020B0604020202020204" pitchFamily="34" charset="0"/>
+                        </a:rPr>
+                        <a:t>Category</a:t>
+                      </a:r>
+                    </a:p>
+                    <a:p>
+                      <a:pPr marL="285750" indent="-285750">
+                        <a:buFont typeface="Arial" panose="020B0604020202020204" pitchFamily="34" charset="0"/>
+                        <a:buChar char="•"/>
+                      </a:pPr>
+                      <a:r>
+                        <a:rPr lang="en-US" sz="1800" b="0" dirty="0">
+                          <a:latin typeface="Aptos (Body)"/>
+                          <a:cs typeface="Arial" panose="020B0604020202020204" pitchFamily="34" charset="0"/>
+                        </a:rPr>
+                        <a:t>Date</a:t>
+                      </a:r>
+                    </a:p>
+                    <a:p>
+                      <a:pPr marL="285750" indent="-285750">
+                        <a:buFont typeface="Arial" panose="020B0604020202020204" pitchFamily="34" charset="0"/>
+                        <a:buChar char="•"/>
+                      </a:pPr>
+                      <a:r>
+                        <a:rPr lang="en-US" sz="1800" b="0" dirty="0">
+                          <a:latin typeface="Aptos (Body)"/>
+                          <a:cs typeface="Arial" panose="020B0604020202020204" pitchFamily="34" charset="0"/>
+                        </a:rPr>
+                        <a:t>Recurrence Setting</a:t>
+                      </a:r>
+                    </a:p>
+                    <a:p>
+                      <a:pPr marL="285750" indent="-285750">
+                        <a:buFont typeface="Arial" panose="020B0604020202020204" pitchFamily="34" charset="0"/>
+                        <a:buChar char="•"/>
+                      </a:pPr>
+                      <a:r>
+                        <a:rPr lang="en-US" sz="1800" b="0" dirty="0">
+                          <a:latin typeface="Aptos (Body)"/>
+                          <a:cs typeface="Arial" panose="020B0604020202020204" pitchFamily="34" charset="0"/>
+                        </a:rPr>
+                        <a:t>Description</a:t>
+                      </a:r>
+                    </a:p>
+                  </a:txBody>
+                  <a:tcPr anchor="ctr"/>
+                </a:tc>
+                <a:extLst>
+                  <a:ext uri="{0D108BD9-81ED-4DB2-BD59-A6C34878D82A}">
+                    <a16:rowId xmlns:a16="http://schemas.microsoft.com/office/drawing/2014/main" val="1217141698"/>
+                  </a:ext>
+                </a:extLst>
+              </a:tr>
+              <a:tr h="1212994">
+                <a:tc>
+                  <a:txBody>
+                    <a:bodyPr/>
+                    <a:lstStyle/>
+                    <a:p>
+                      <a:r>
+                        <a:rPr lang="en-US" sz="1800" b="1" dirty="0">
+                          <a:latin typeface="Aptos (Body)"/>
+                          <a:cs typeface="Arial" panose="020B0604020202020204" pitchFamily="34" charset="0"/>
+                        </a:rPr>
+                        <a:t>Dashboard Summary</a:t>
+                      </a:r>
+                    </a:p>
+                  </a:txBody>
+                  <a:tcPr anchor="ctr"/>
+                </a:tc>
+                <a:tc>
+                  <a:txBody>
+                    <a:bodyPr/>
+                    <a:lstStyle/>
+                    <a:p>
+                      <a:r>
+                        <a:rPr lang="en-US" sz="1800" b="0" dirty="0">
+                          <a:latin typeface="Aptos (Body)"/>
+                          <a:cs typeface="Arial" panose="020B0604020202020204" pitchFamily="34" charset="0"/>
+                        </a:rPr>
+                        <a:t>Financial</a:t>
+                      </a:r>
+                      <a:r>
+                        <a:rPr lang="en-US" sz="1800" b="1" dirty="0">
+                          <a:latin typeface="Aptos (Body)"/>
+                          <a:cs typeface="Arial" panose="020B0604020202020204" pitchFamily="34" charset="0"/>
+                        </a:rPr>
+                        <a:t> </a:t>
+                      </a:r>
+                      <a:r>
+                        <a:rPr lang="en-US" sz="1800" b="0" dirty="0">
+                          <a:latin typeface="Aptos (Body)"/>
+                          <a:cs typeface="Arial" panose="020B0604020202020204" pitchFamily="34" charset="0"/>
+                        </a:rPr>
+                        <a:t>Overview</a:t>
+                      </a:r>
+                    </a:p>
+                  </a:txBody>
+                  <a:tcPr anchor="ctr"/>
+                </a:tc>
+                <a:tc>
+                  <a:txBody>
+                    <a:bodyPr/>
+                    <a:lstStyle/>
+                    <a:p>
+                      <a:pPr marL="285750" indent="-285750">
+                        <a:buFont typeface="Arial" panose="020B0604020202020204" pitchFamily="34" charset="0"/>
+                        <a:buChar char="•"/>
+                      </a:pPr>
+                      <a:r>
+                        <a:rPr lang="en-US" sz="1800" b="0" dirty="0">
+                          <a:latin typeface="Aptos (Body)"/>
+                          <a:cs typeface="Arial" panose="020B0604020202020204" pitchFamily="34" charset="0"/>
+                        </a:rPr>
+                        <a:t>Current</a:t>
+                      </a:r>
+                      <a:r>
+                        <a:rPr lang="en-US" sz="1800" b="1" dirty="0">
+                          <a:latin typeface="Aptos (Body)"/>
+                          <a:cs typeface="Arial" panose="020B0604020202020204" pitchFamily="34" charset="0"/>
+                        </a:rPr>
+                        <a:t> </a:t>
+                      </a:r>
+                      <a:r>
+                        <a:rPr lang="en-US" sz="1800" b="0" dirty="0">
+                          <a:latin typeface="Aptos (Body)"/>
+                          <a:cs typeface="Arial" panose="020B0604020202020204" pitchFamily="34" charset="0"/>
+                        </a:rPr>
+                        <a:t>Balance</a:t>
+                      </a:r>
+                    </a:p>
+                    <a:p>
+                      <a:pPr marL="285750" indent="-285750">
+                        <a:buFont typeface="Arial" panose="020B0604020202020204" pitchFamily="34" charset="0"/>
+                        <a:buChar char="•"/>
+                      </a:pPr>
+                      <a:r>
+                        <a:rPr lang="en-US" sz="1800" b="0" dirty="0">
+                          <a:latin typeface="Aptos (Body)"/>
+                          <a:cs typeface="Arial" panose="020B0604020202020204" pitchFamily="34" charset="0"/>
+                        </a:rPr>
+                        <a:t>Monthly Income</a:t>
+                      </a:r>
+                    </a:p>
+                    <a:p>
+                      <a:pPr marL="285750" indent="-285750">
+                        <a:buFont typeface="Arial" panose="020B0604020202020204" pitchFamily="34" charset="0"/>
+                        <a:buChar char="•"/>
+                      </a:pPr>
+                      <a:r>
+                        <a:rPr lang="en-US" sz="1800" b="0" dirty="0">
+                          <a:latin typeface="Aptos (Body)"/>
+                          <a:cs typeface="Arial" panose="020B0604020202020204" pitchFamily="34" charset="0"/>
+                        </a:rPr>
+                        <a:t>Monthly Expenses</a:t>
+                      </a:r>
+                    </a:p>
+                    <a:p>
+                      <a:pPr marL="285750" indent="-285750">
+                        <a:buFont typeface="Arial" panose="020B0604020202020204" pitchFamily="34" charset="0"/>
+                        <a:buChar char="•"/>
+                      </a:pPr>
+                      <a:r>
+                        <a:rPr lang="en-US" sz="1800" b="0" dirty="0">
+                          <a:latin typeface="Aptos (Body)"/>
+                          <a:cs typeface="Arial" panose="020B0604020202020204" pitchFamily="34" charset="0"/>
+                        </a:rPr>
+                        <a:t>Top Spending Categories</a:t>
+                      </a:r>
+                    </a:p>
+                  </a:txBody>
+                  <a:tcPr anchor="ctr"/>
+                </a:tc>
+                <a:extLst>
+                  <a:ext uri="{0D108BD9-81ED-4DB2-BD59-A6C34878D82A}">
+                    <a16:rowId xmlns:a16="http://schemas.microsoft.com/office/drawing/2014/main" val="2832473268"/>
+                  </a:ext>
+                </a:extLst>
+              </a:tr>
+            </a:tbl>
+          </a:graphicData>
+        </a:graphic>
+      </p:graphicFrame>
     </p:spTree>
     <p:extLst>
       <p:ext uri="{BB962C8B-B14F-4D97-AF65-F5344CB8AC3E}">
@@ -8361,6 +9055,104 @@
       </p:transition>
     </mc:Fallback>
   </mc:AlternateContent>
+</p:sld>
+</file>
+
+<file path=ppt/slides/slide7.xml><?xml version="1.0" encoding="utf-8"?>
+<p:sld xmlns:a="http://schemas.openxmlformats.org/drawingml/2006/main" xmlns:r="http://schemas.openxmlformats.org/officeDocument/2006/relationships" xmlns:p="http://schemas.openxmlformats.org/presentationml/2006/main">
+  <p:cSld>
+    <p:spTree>
+      <p:nvGrpSpPr>
+        <p:cNvPr id="1" name=""/>
+        <p:cNvGrpSpPr/>
+        <p:nvPr/>
+      </p:nvGrpSpPr>
+      <p:grpSpPr>
+        <a:xfrm>
+          <a:off x="0" y="0"/>
+          <a:ext cx="0" cy="0"/>
+          <a:chOff x="0" y="0"/>
+          <a:chExt cx="0" cy="0"/>
+        </a:xfrm>
+      </p:grpSpPr>
+      <p:pic>
+        <p:nvPicPr>
+          <p:cNvPr id="5" name="Picture 4">
+            <a:extLst>
+              <a:ext uri="{FF2B5EF4-FFF2-40B4-BE49-F238E27FC236}">
+                <a16:creationId xmlns:a16="http://schemas.microsoft.com/office/drawing/2014/main" id="{8714B365-8245-F912-B53F-96B110D7A98D}"/>
+              </a:ext>
+            </a:extLst>
+          </p:cNvPr>
+          <p:cNvPicPr>
+            <a:picLocks noChangeAspect="1"/>
+          </p:cNvPicPr>
+          <p:nvPr/>
+        </p:nvPicPr>
+        <p:blipFill>
+          <a:blip r:embed="rId2"/>
+          <a:stretch>
+            <a:fillRect/>
+          </a:stretch>
+        </p:blipFill>
+        <p:spPr>
+          <a:xfrm>
+            <a:off x="1099440" y="113837"/>
+            <a:ext cx="9993120" cy="6630325"/>
+          </a:xfrm>
+          <a:prstGeom prst="rect">
+            <a:avLst/>
+          </a:prstGeom>
+        </p:spPr>
+      </p:pic>
+      <p:sp>
+        <p:nvSpPr>
+          <p:cNvPr id="9" name="TextBox 8">
+            <a:extLst>
+              <a:ext uri="{FF2B5EF4-FFF2-40B4-BE49-F238E27FC236}">
+                <a16:creationId xmlns:a16="http://schemas.microsoft.com/office/drawing/2014/main" id="{94E72B21-5333-6A81-F7C0-56F95196439E}"/>
+              </a:ext>
+            </a:extLst>
+          </p:cNvPr>
+          <p:cNvSpPr txBox="1"/>
+          <p:nvPr/>
+        </p:nvSpPr>
+        <p:spPr>
+          <a:xfrm>
+            <a:off x="8125080" y="5413972"/>
+            <a:ext cx="2342308" cy="369332"/>
+          </a:xfrm>
+          <a:prstGeom prst="rect">
+            <a:avLst/>
+          </a:prstGeom>
+          <a:noFill/>
+        </p:spPr>
+        <p:txBody>
+          <a:bodyPr wrap="none" rtlCol="0">
+            <a:spAutoFit/>
+          </a:bodyPr>
+          <a:lstStyle/>
+          <a:p>
+            <a:r>
+              <a:rPr lang="en-US" dirty="0">
+                <a:hlinkClick r:id="rId3"/>
+              </a:rPr>
+              <a:t>Click To View Website</a:t>
+            </a:r>
+            <a:endParaRPr lang="en-IL" dirty="0"/>
+          </a:p>
+        </p:txBody>
+      </p:sp>
+    </p:spTree>
+    <p:extLst>
+      <p:ext uri="{BB962C8B-B14F-4D97-AF65-F5344CB8AC3E}">
+        <p14:creationId xmlns:p14="http://schemas.microsoft.com/office/powerpoint/2010/main" val="3305657591"/>
+      </p:ext>
+    </p:extLst>
+  </p:cSld>
+  <p:clrMapOvr>
+    <a:masterClrMapping/>
+  </p:clrMapOvr>
 </p:sld>
 </file>
 
